--- a/Summer2023/BUS243/lecture_note/lecture8.pptx
+++ b/Summer2023/BUS243/lecture_note/lecture8.pptx
@@ -5,7 +5,7 @@
     <p:sldMasterId id="2147483871" r:id="rId1"/>
   </p:sldMasterIdLst>
   <p:notesMasterIdLst>
-    <p:notesMasterId r:id="rId13"/>
+    <p:notesMasterId r:id="rId12"/>
   </p:notesMasterIdLst>
   <p:sldIdLst>
     <p:sldId id="256" r:id="rId2"/>
@@ -18,7 +18,6 @@
     <p:sldId id="1934" r:id="rId9"/>
     <p:sldId id="1936" r:id="rId10"/>
     <p:sldId id="1937" r:id="rId11"/>
-    <p:sldId id="1938" r:id="rId12"/>
   </p:sldIdLst>
   <p:sldSz cx="12192000" cy="6858000"/>
   <p:notesSz cx="6858000" cy="9144000"/>
@@ -207,7 +206,7 @@
           <a:p>
             <a:fld id="{38735C86-593D-1749-A2DA-368BAAB8EE94}" type="datetimeFigureOut">
               <a:rPr lang="en-US" smtClean="0"/>
-              <a:t>8/5/23</a:t>
+              <a:t>8/7/23</a:t>
             </a:fld>
             <a:endParaRPr lang="en-US"/>
           </a:p>
@@ -975,7 +974,7 @@
           <a:p>
             <a:fld id="{3CADBD16-5BFB-4D9F-9646-C75D1B53BBB6}" type="datetimeFigureOut">
               <a:rPr lang="en-US" smtClean="0"/>
-              <a:t>8/5/23</a:t>
+              <a:t>8/7/23</a:t>
             </a:fld>
             <a:endParaRPr lang="en-US"/>
           </a:p>
@@ -1153,7 +1152,7 @@
             <a:fld id="{3CADBD16-5BFB-4D9F-9646-C75D1B53BBB6}" type="datetimeFigureOut">
               <a:rPr lang="en-US" smtClean="0"/>
               <a:pPr/>
-              <a:t>8/5/23</a:t>
+              <a:t>8/7/23</a:t>
             </a:fld>
             <a:endParaRPr lang="en-US" dirty="0"/>
           </a:p>
@@ -1335,7 +1334,7 @@
             <a:fld id="{3CADBD16-5BFB-4D9F-9646-C75D1B53BBB6}" type="datetimeFigureOut">
               <a:rPr lang="en-US" smtClean="0"/>
               <a:pPr/>
-              <a:t>8/5/23</a:t>
+              <a:t>8/7/23</a:t>
             </a:fld>
             <a:endParaRPr lang="en-US" dirty="0"/>
           </a:p>
@@ -1507,7 +1506,7 @@
             <a:fld id="{3CADBD16-5BFB-4D9F-9646-C75D1B53BBB6}" type="datetimeFigureOut">
               <a:rPr lang="en-US" smtClean="0"/>
               <a:pPr/>
-              <a:t>8/5/23</a:t>
+              <a:t>8/7/23</a:t>
             </a:fld>
             <a:endParaRPr lang="en-US" dirty="0"/>
           </a:p>
@@ -1829,7 +1828,7 @@
           <a:p>
             <a:fld id="{3CADBD16-5BFB-4D9F-9646-C75D1B53BBB6}" type="datetimeFigureOut">
               <a:rPr lang="en-US" smtClean="0"/>
-              <a:t>8/5/23</a:t>
+              <a:t>8/7/23</a:t>
             </a:fld>
             <a:endParaRPr lang="en-US"/>
           </a:p>
@@ -2290,7 +2289,7 @@
             <a:fld id="{3CADBD16-5BFB-4D9F-9646-C75D1B53BBB6}" type="datetimeFigureOut">
               <a:rPr lang="en-US" smtClean="0"/>
               <a:pPr/>
-              <a:t>8/5/23</a:t>
+              <a:t>8/7/23</a:t>
             </a:fld>
             <a:endParaRPr lang="en-US" dirty="0"/>
           </a:p>
@@ -2703,7 +2702,7 @@
             <a:fld id="{3CADBD16-5BFB-4D9F-9646-C75D1B53BBB6}" type="datetimeFigureOut">
               <a:rPr lang="en-US" smtClean="0"/>
               <a:pPr/>
-              <a:t>8/5/23</a:t>
+              <a:t>8/7/23</a:t>
             </a:fld>
             <a:endParaRPr lang="en-US" dirty="0"/>
           </a:p>
@@ -2822,7 +2821,7 @@
           <a:p>
             <a:fld id="{3CADBD16-5BFB-4D9F-9646-C75D1B53BBB6}" type="datetimeFigureOut">
               <a:rPr lang="en-US" smtClean="0"/>
-              <a:t>8/5/23</a:t>
+              <a:t>8/7/23</a:t>
             </a:fld>
             <a:endParaRPr lang="en-US"/>
           </a:p>
@@ -2939,7 +2938,7 @@
           <a:p>
             <a:fld id="{3CADBD16-5BFB-4D9F-9646-C75D1B53BBB6}" type="datetimeFigureOut">
               <a:rPr lang="en-US" smtClean="0"/>
-              <a:t>8/5/23</a:t>
+              <a:t>8/7/23</a:t>
             </a:fld>
             <a:endParaRPr lang="en-US"/>
           </a:p>
@@ -3298,7 +3297,7 @@
             <a:fld id="{3CADBD16-5BFB-4D9F-9646-C75D1B53BBB6}" type="datetimeFigureOut">
               <a:rPr lang="en-US" smtClean="0"/>
               <a:pPr/>
-              <a:t>8/5/23</a:t>
+              <a:t>8/7/23</a:t>
             </a:fld>
             <a:endParaRPr lang="en-US" dirty="0"/>
           </a:p>
@@ -3807,7 +3806,7 @@
             <a:fld id="{3CADBD16-5BFB-4D9F-9646-C75D1B53BBB6}" type="datetimeFigureOut">
               <a:rPr lang="en-US" smtClean="0"/>
               <a:pPr/>
-              <a:t>8/5/23</a:t>
+              <a:t>8/7/23</a:t>
             </a:fld>
             <a:endParaRPr lang="en-US" dirty="0"/>
           </a:p>
@@ -4164,7 +4163,7 @@
             <a:fld id="{3CADBD16-5BFB-4D9F-9646-C75D1B53BBB6}" type="datetimeFigureOut">
               <a:rPr lang="en-US" smtClean="0"/>
               <a:pPr/>
-              <a:t>8/5/23</a:t>
+              <a:t>8/7/23</a:t>
             </a:fld>
             <a:endParaRPr lang="en-US" dirty="0"/>
           </a:p>
@@ -4953,7 +4952,7 @@
           <a:p>
             <a:r>
               <a:rPr lang="en-US" dirty="0"/>
-              <a:t>Lecture 8: Text classification review</a:t>
+              <a:t>Lecture 8: CNN and review</a:t>
             </a:r>
           </a:p>
         </p:txBody>
@@ -5465,89 +5464,6 @@
 </p:sld>
 </file>
 
-<file path=ppt/slides/slide11.xml><?xml version="1.0" encoding="utf-8"?>
-<p:sld xmlns:a="http://schemas.openxmlformats.org/drawingml/2006/main" xmlns:r="http://schemas.openxmlformats.org/officeDocument/2006/relationships" xmlns:p="http://schemas.openxmlformats.org/presentationml/2006/main">
-  <p:cSld>
-    <p:spTree>
-      <p:nvGrpSpPr>
-        <p:cNvPr id="1" name=""/>
-        <p:cNvGrpSpPr/>
-        <p:nvPr/>
-      </p:nvGrpSpPr>
-      <p:grpSpPr>
-        <a:xfrm>
-          <a:off x="0" y="0"/>
-          <a:ext cx="0" cy="0"/>
-          <a:chOff x="0" y="0"/>
-          <a:chExt cx="0" cy="0"/>
-        </a:xfrm>
-      </p:grpSpPr>
-      <p:sp>
-        <p:nvSpPr>
-          <p:cNvPr id="2" name="Title 1">
-            <a:extLst>
-              <a:ext uri="{FF2B5EF4-FFF2-40B4-BE49-F238E27FC236}">
-                <a16:creationId xmlns:a16="http://schemas.microsoft.com/office/drawing/2014/main" id="{2703309D-E9FB-D500-E372-B9B19275AE36}"/>
-              </a:ext>
-            </a:extLst>
-          </p:cNvPr>
-          <p:cNvSpPr>
-            <a:spLocks noGrp="1"/>
-          </p:cNvSpPr>
-          <p:nvPr>
-            <p:ph type="title"/>
-          </p:nvPr>
-        </p:nvSpPr>
-        <p:spPr/>
-        <p:txBody>
-          <a:bodyPr/>
-          <a:lstStyle/>
-          <a:p>
-            <a:r>
-              <a:rPr lang="en-US" b="1" dirty="0"/>
-              <a:t>Data preparation</a:t>
-            </a:r>
-          </a:p>
-        </p:txBody>
-      </p:sp>
-      <p:sp>
-        <p:nvSpPr>
-          <p:cNvPr id="3" name="Content Placeholder 2">
-            <a:extLst>
-              <a:ext uri="{FF2B5EF4-FFF2-40B4-BE49-F238E27FC236}">
-                <a16:creationId xmlns:a16="http://schemas.microsoft.com/office/drawing/2014/main" id="{1D65C1FE-C1E5-8481-5222-217099BACE16}"/>
-              </a:ext>
-            </a:extLst>
-          </p:cNvPr>
-          <p:cNvSpPr>
-            <a:spLocks noGrp="1"/>
-          </p:cNvSpPr>
-          <p:nvPr>
-            <p:ph idx="1"/>
-          </p:nvPr>
-        </p:nvSpPr>
-        <p:spPr/>
-        <p:txBody>
-          <a:bodyPr/>
-          <a:lstStyle/>
-          <a:p>
-            <a:endParaRPr lang="en-US" dirty="0"/>
-          </a:p>
-        </p:txBody>
-      </p:sp>
-    </p:spTree>
-    <p:extLst>
-      <p:ext uri="{BB962C8B-B14F-4D97-AF65-F5344CB8AC3E}">
-        <p14:creationId xmlns:p14="http://schemas.microsoft.com/office/powerpoint/2010/main" val="2946554467"/>
-      </p:ext>
-    </p:extLst>
-  </p:cSld>
-  <p:clrMapOvr>
-    <a:masterClrMapping/>
-  </p:clrMapOvr>
-</p:sld>
-</file>
-
 <file path=ppt/slides/slide2.xml><?xml version="1.0" encoding="utf-8"?>
 <p:sld xmlns:a="http://schemas.openxmlformats.org/drawingml/2006/main" xmlns:r="http://schemas.openxmlformats.org/officeDocument/2006/relationships" xmlns:p="http://schemas.openxmlformats.org/presentationml/2006/main">
   <p:cSld>
@@ -5710,7 +5626,7 @@
         <p:spPr/>
         <p:txBody>
           <a:bodyPr>
-            <a:normAutofit fontScale="85000" lnSpcReduction="10000"/>
+            <a:normAutofit/>
           </a:bodyPr>
           <a:lstStyle/>
           <a:p>
@@ -5747,25 +5663,14 @@
             </a:r>
           </a:p>
           <a:p>
-            <a:pPr>
+            <a:pPr lvl="1">
               <a:lnSpc>
                 <a:spcPct val="150000"/>
               </a:lnSpc>
             </a:pPr>
             <a:r>
-              <a:rPr lang="en-US" sz="2400" dirty="0"/>
-              <a:t>Certainly imagine doing a forward pass where a linear unit feeds its output to only some of the next layer’s units</a:t>
-            </a:r>
-          </a:p>
-          <a:p>
-            <a:pPr>
-              <a:lnSpc>
-                <a:spcPct val="150000"/>
-              </a:lnSpc>
-            </a:pPr>
-            <a:r>
-              <a:rPr lang="en-US" sz="2400" dirty="0"/>
-              <a:t>One specially case of partially connected NNs is convolutional neural networks </a:t>
+              <a:rPr lang="en-US" sz="2200" dirty="0"/>
+              <a:t>What’s the meaning?</a:t>
             </a:r>
           </a:p>
         </p:txBody>
@@ -5984,55 +5889,6 @@
                       </p:childTnLst>
                     </p:cTn>
                   </p:par>
-                  <p:par>
-                    <p:cTn id="19" fill="hold">
-                      <p:stCondLst>
-                        <p:cond delay="indefinite"/>
-                      </p:stCondLst>
-                      <p:childTnLst>
-                        <p:par>
-                          <p:cTn id="20" fill="hold">
-                            <p:stCondLst>
-                              <p:cond delay="0"/>
-                            </p:stCondLst>
-                            <p:childTnLst>
-                              <p:par>
-                                <p:cTn id="21" presetID="1" presetClass="entr" presetSubtype="0" fill="hold" nodeType="clickEffect">
-                                  <p:stCondLst>
-                                    <p:cond delay="0"/>
-                                  </p:stCondLst>
-                                  <p:childTnLst>
-                                    <p:set>
-                                      <p:cBhvr>
-                                        <p:cTn id="22" dur="1" fill="hold">
-                                          <p:stCondLst>
-                                            <p:cond delay="0"/>
-                                          </p:stCondLst>
-                                        </p:cTn>
-                                        <p:tgtEl>
-                                          <p:spTgt spid="3">
-                                            <p:txEl>
-                                              <p:pRg st="4" end="4"/>
-                                            </p:txEl>
-                                          </p:spTgt>
-                                        </p:tgtEl>
-                                        <p:attrNameLst>
-                                          <p:attrName>style.visibility</p:attrName>
-                                        </p:attrNameLst>
-                                      </p:cBhvr>
-                                      <p:to>
-                                        <p:strVal val="visible"/>
-                                      </p:to>
-                                    </p:set>
-                                  </p:childTnLst>
-                                </p:cTn>
-                              </p:par>
-                            </p:childTnLst>
-                          </p:cTn>
-                        </p:par>
-                      </p:childTnLst>
-                    </p:cTn>
-                  </p:par>
                 </p:childTnLst>
               </p:cTn>
               <p:prevCondLst>
@@ -6166,15 +6022,8 @@
             </a:pPr>
             <a:r>
               <a:rPr lang="en-US" sz="2600" dirty="0"/>
-              <a:t>CNN is in essence a feature-extracting model</a:t>
-            </a:r>
-          </a:p>
-          <a:p>
-            <a:pPr lvl="2">
-              <a:lnSpc>
-                <a:spcPct val="200000"/>
-              </a:lnSpc>
-            </a:pPr>
+              <a:t>CNN is taking account kind of window!</a:t>
+            </a:r>
             <a:endParaRPr lang="en-US" sz="2200" dirty="0"/>
           </a:p>
         </p:txBody>
@@ -6303,7 +6152,7 @@
         </p:spPr>
         <p:txBody>
           <a:bodyPr>
-            <a:normAutofit fontScale="92500" lnSpcReduction="10000"/>
+            <a:normAutofit/>
           </a:bodyPr>
           <a:lstStyle/>
           <a:p>
@@ -6325,18 +6174,42 @@
             </a:pPr>
             <a:r>
               <a:rPr lang="en-US" sz="2800" dirty="0"/>
-              <a:t>A filter in a Convolutional Neural Network (CNN) is a small-sized matrix that is used to perform the convolution operation on an input image or feature map.</a:t>
-            </a:r>
-          </a:p>
-          <a:p>
-            <a:pPr>
+              <a:t>In a convolutional layer, you can specify the size of the window, often referred to as the </a:t>
+            </a:r>
+            <a:r>
+              <a:rPr lang="en-US" sz="2800" i="1" dirty="0"/>
+              <a:t>kernel size</a:t>
+            </a:r>
+            <a:r>
+              <a:rPr lang="en-US" sz="2800" dirty="0"/>
+              <a:t> or </a:t>
+            </a:r>
+            <a:r>
+              <a:rPr lang="en-US" sz="2800" i="1" dirty="0"/>
+              <a:t>filter size</a:t>
+            </a:r>
+            <a:endParaRPr lang="en-US" sz="2800" dirty="0"/>
+          </a:p>
+          <a:p>
+            <a:pPr lvl="1">
               <a:lnSpc>
                 <a:spcPct val="150000"/>
               </a:lnSpc>
             </a:pPr>
             <a:r>
-              <a:rPr lang="en-US" sz="2800" dirty="0"/>
-              <a:t>The convolution operation involves sliding the filter over the input data, performing element-wise multiplication between the filter and the overlapping portion of the input, and then summing up the results to produce an output feature map.</a:t>
+              <a:rPr lang="en-US" sz="2600" dirty="0"/>
+              <a:t>small matrix that slides over the input data</a:t>
+            </a:r>
+          </a:p>
+          <a:p>
+            <a:pPr lvl="1">
+              <a:lnSpc>
+                <a:spcPct val="150000"/>
+              </a:lnSpc>
+            </a:pPr>
+            <a:r>
+              <a:rPr lang="en-US" sz="2600" dirty="0"/>
+              <a:t>determines the receptive field or the area of input that the kernel considers at each step</a:t>
             </a:r>
           </a:p>
         </p:txBody>
@@ -6463,10 +6336,7 @@
                 <a:spcPct val="150000"/>
               </a:lnSpc>
             </a:pPr>
-            <a:r>
-              <a:rPr lang="en-US" sz="2800" dirty="0"/>
-              <a:t>Some hyperparameters matter more than others when tuning a convolutional neural network on your document classification problem</a:t>
-            </a:r>
+            <a:endParaRPr lang="en-US" sz="2800" dirty="0"/>
           </a:p>
           <a:p>
             <a:pPr>
@@ -6476,7 +6346,29 @@
             </a:pPr>
             <a:r>
               <a:rPr lang="en-US" sz="2800" dirty="0"/>
-              <a:t>Unfortunately, a downside to CNN-based models - even simple ones - is that they require practitioners to specify the exact model architecture to be used and to set the accompanying hyperparameters. </a:t>
+              <a:t>Some hyperparameters matter more than others</a:t>
+            </a:r>
+          </a:p>
+          <a:p>
+            <a:pPr>
+              <a:lnSpc>
+                <a:spcPct val="150000"/>
+              </a:lnSpc>
+            </a:pPr>
+            <a:r>
+              <a:rPr lang="en-US" sz="2800" dirty="0"/>
+              <a:t>Unfortunately, a downside is that they require practitioners to specify the exact model architecture to be used and to set the accompanying hyperparameters. </a:t>
+            </a:r>
+          </a:p>
+          <a:p>
+            <a:pPr lvl="1">
+              <a:lnSpc>
+                <a:spcPct val="150000"/>
+              </a:lnSpc>
+            </a:pPr>
+            <a:r>
+              <a:rPr lang="en-US" sz="2600" dirty="0"/>
+              <a:t>Same as demining the size of window</a:t>
             </a:r>
           </a:p>
           <a:p>

--- a/Summer2023/BUS243/lecture_note/lecture8.pptx
+++ b/Summer2023/BUS243/lecture_note/lecture8.pptx
@@ -4951,8 +4951,12 @@
           <a:lstStyle/>
           <a:p>
             <a:r>
+              <a:rPr lang="en-US"/>
+              <a:t>Lecture 9: </a:t>
+            </a:r>
+            <a:r>
               <a:rPr lang="en-US" dirty="0"/>
-              <a:t>Lecture 8: CNN and review</a:t>
+              <a:t>CNN and review</a:t>
             </a:r>
           </a:p>
         </p:txBody>
